--- a/file/K线图.pptx
+++ b/file/K线图.pptx
@@ -260,7 +260,7 @@
           <a:p>
             <a:fld id="{B0E57C0B-0122-40D3-BBAC-3E87EF215052}" type="datetimeFigureOut">
               <a:rPr lang="zh-CN" altLang="en-US" smtClean="0"/>
-              <a:t>2022/3/25</a:t>
+              <a:t>2022/3/28</a:t>
             </a:fld>
             <a:endParaRPr lang="zh-CN" altLang="en-US"/>
           </a:p>
@@ -458,7 +458,7 @@
           <a:p>
             <a:fld id="{B0E57C0B-0122-40D3-BBAC-3E87EF215052}" type="datetimeFigureOut">
               <a:rPr lang="zh-CN" altLang="en-US" smtClean="0"/>
-              <a:t>2022/3/25</a:t>
+              <a:t>2022/3/28</a:t>
             </a:fld>
             <a:endParaRPr lang="zh-CN" altLang="en-US"/>
           </a:p>
@@ -666,7 +666,7 @@
           <a:p>
             <a:fld id="{B0E57C0B-0122-40D3-BBAC-3E87EF215052}" type="datetimeFigureOut">
               <a:rPr lang="zh-CN" altLang="en-US" smtClean="0"/>
-              <a:t>2022/3/25</a:t>
+              <a:t>2022/3/28</a:t>
             </a:fld>
             <a:endParaRPr lang="zh-CN" altLang="en-US"/>
           </a:p>
@@ -864,7 +864,7 @@
           <a:p>
             <a:fld id="{B0E57C0B-0122-40D3-BBAC-3E87EF215052}" type="datetimeFigureOut">
               <a:rPr lang="zh-CN" altLang="en-US" smtClean="0"/>
-              <a:t>2022/3/25</a:t>
+              <a:t>2022/3/28</a:t>
             </a:fld>
             <a:endParaRPr lang="zh-CN" altLang="en-US"/>
           </a:p>
@@ -1139,7 +1139,7 @@
           <a:p>
             <a:fld id="{B0E57C0B-0122-40D3-BBAC-3E87EF215052}" type="datetimeFigureOut">
               <a:rPr lang="zh-CN" altLang="en-US" smtClean="0"/>
-              <a:t>2022/3/25</a:t>
+              <a:t>2022/3/28</a:t>
             </a:fld>
             <a:endParaRPr lang="zh-CN" altLang="en-US"/>
           </a:p>
@@ -1404,7 +1404,7 @@
           <a:p>
             <a:fld id="{B0E57C0B-0122-40D3-BBAC-3E87EF215052}" type="datetimeFigureOut">
               <a:rPr lang="zh-CN" altLang="en-US" smtClean="0"/>
-              <a:t>2022/3/25</a:t>
+              <a:t>2022/3/28</a:t>
             </a:fld>
             <a:endParaRPr lang="zh-CN" altLang="en-US"/>
           </a:p>
@@ -1816,7 +1816,7 @@
           <a:p>
             <a:fld id="{B0E57C0B-0122-40D3-BBAC-3E87EF215052}" type="datetimeFigureOut">
               <a:rPr lang="zh-CN" altLang="en-US" smtClean="0"/>
-              <a:t>2022/3/25</a:t>
+              <a:t>2022/3/28</a:t>
             </a:fld>
             <a:endParaRPr lang="zh-CN" altLang="en-US"/>
           </a:p>
@@ -1957,7 +1957,7 @@
           <a:p>
             <a:fld id="{B0E57C0B-0122-40D3-BBAC-3E87EF215052}" type="datetimeFigureOut">
               <a:rPr lang="zh-CN" altLang="en-US" smtClean="0"/>
-              <a:t>2022/3/25</a:t>
+              <a:t>2022/3/28</a:t>
             </a:fld>
             <a:endParaRPr lang="zh-CN" altLang="en-US"/>
           </a:p>
@@ -2070,7 +2070,7 @@
           <a:p>
             <a:fld id="{B0E57C0B-0122-40D3-BBAC-3E87EF215052}" type="datetimeFigureOut">
               <a:rPr lang="zh-CN" altLang="en-US" smtClean="0"/>
-              <a:t>2022/3/25</a:t>
+              <a:t>2022/3/28</a:t>
             </a:fld>
             <a:endParaRPr lang="zh-CN" altLang="en-US"/>
           </a:p>
@@ -2381,7 +2381,7 @@
           <a:p>
             <a:fld id="{B0E57C0B-0122-40D3-BBAC-3E87EF215052}" type="datetimeFigureOut">
               <a:rPr lang="zh-CN" altLang="en-US" smtClean="0"/>
-              <a:t>2022/3/25</a:t>
+              <a:t>2022/3/28</a:t>
             </a:fld>
             <a:endParaRPr lang="zh-CN" altLang="en-US"/>
           </a:p>
@@ -2669,7 +2669,7 @@
           <a:p>
             <a:fld id="{B0E57C0B-0122-40D3-BBAC-3E87EF215052}" type="datetimeFigureOut">
               <a:rPr lang="zh-CN" altLang="en-US" smtClean="0"/>
-              <a:t>2022/3/25</a:t>
+              <a:t>2022/3/28</a:t>
             </a:fld>
             <a:endParaRPr lang="zh-CN" altLang="en-US"/>
           </a:p>
@@ -2910,7 +2910,7 @@
           <a:p>
             <a:fld id="{B0E57C0B-0122-40D3-BBAC-3E87EF215052}" type="datetimeFigureOut">
               <a:rPr lang="zh-CN" altLang="en-US" smtClean="0"/>
-              <a:t>2022/3/25</a:t>
+              <a:t>2022/3/28</a:t>
             </a:fld>
             <a:endParaRPr lang="zh-CN" altLang="en-US"/>
           </a:p>
@@ -4852,6 +4852,1244 @@
           <a:chExt cx="0" cy="0"/>
         </a:xfrm>
       </p:grpSpPr>
+      <p:sp>
+        <p:nvSpPr>
+          <p:cNvPr id="35" name="矩形 34">
+            <a:extLst>
+              <a:ext uri="{FF2B5EF4-FFF2-40B4-BE49-F238E27FC236}">
+                <a16:creationId xmlns:a16="http://schemas.microsoft.com/office/drawing/2014/main" id="{68724D8D-A68A-4F51-BA1C-F9CD8E1C7E55}"/>
+              </a:ext>
+            </a:extLst>
+          </p:cNvPr>
+          <p:cNvSpPr/>
+          <p:nvPr/>
+        </p:nvSpPr>
+        <p:spPr>
+          <a:xfrm>
+            <a:off x="3166712" y="1203159"/>
+            <a:ext cx="5630779" cy="3705726"/>
+          </a:xfrm>
+          <a:prstGeom prst="rect">
+            <a:avLst/>
+          </a:prstGeom>
+          <a:solidFill>
+            <a:schemeClr val="accent5">
+              <a:lumMod val="40000"/>
+              <a:lumOff val="60000"/>
+            </a:schemeClr>
+          </a:solidFill>
+        </p:spPr>
+        <p:style>
+          <a:lnRef idx="2">
+            <a:schemeClr val="accent1">
+              <a:shade val="50000"/>
+            </a:schemeClr>
+          </a:lnRef>
+          <a:fillRef idx="1">
+            <a:schemeClr val="accent1"/>
+          </a:fillRef>
+          <a:effectRef idx="0">
+            <a:schemeClr val="accent1"/>
+          </a:effectRef>
+          <a:fontRef idx="minor">
+            <a:schemeClr val="lt1"/>
+          </a:fontRef>
+        </p:style>
+        <p:txBody>
+          <a:bodyPr rtlCol="0" anchor="ctr"/>
+          <a:lstStyle/>
+          <a:p>
+            <a:pPr algn="ctr"/>
+            <a:endParaRPr lang="zh-CN" altLang="en-US"/>
+          </a:p>
+        </p:txBody>
+      </p:sp>
+      <p:grpSp>
+        <p:nvGrpSpPr>
+          <p:cNvPr id="33" name="组合 32">
+            <a:extLst>
+              <a:ext uri="{FF2B5EF4-FFF2-40B4-BE49-F238E27FC236}">
+                <a16:creationId xmlns:a16="http://schemas.microsoft.com/office/drawing/2014/main" id="{5A8DAF60-DF5D-4EA7-9263-82A4D76584C0}"/>
+              </a:ext>
+            </a:extLst>
+          </p:cNvPr>
+          <p:cNvGrpSpPr/>
+          <p:nvPr/>
+        </p:nvGrpSpPr>
+        <p:grpSpPr>
+          <a:xfrm>
+            <a:off x="4575526" y="1523481"/>
+            <a:ext cx="487614" cy="3259657"/>
+            <a:chOff x="4039342" y="938423"/>
+            <a:chExt cx="509286" cy="5532608"/>
+          </a:xfrm>
+        </p:grpSpPr>
+        <p:grpSp>
+          <p:nvGrpSpPr>
+            <p:cNvPr id="7" name="组合 6">
+              <a:extLst>
+                <a:ext uri="{FF2B5EF4-FFF2-40B4-BE49-F238E27FC236}">
+                  <a16:creationId xmlns:a16="http://schemas.microsoft.com/office/drawing/2014/main" id="{FD3B9C9A-E902-4751-8059-9F8825174247}"/>
+                </a:ext>
+              </a:extLst>
+            </p:cNvPr>
+            <p:cNvGrpSpPr/>
+            <p:nvPr/>
+          </p:nvGrpSpPr>
+          <p:grpSpPr>
+            <a:xfrm>
+              <a:off x="4039342" y="4584358"/>
+              <a:ext cx="509286" cy="1886673"/>
+              <a:chOff x="4622049" y="1953477"/>
+              <a:chExt cx="509286" cy="1886673"/>
+            </a:xfrm>
+          </p:grpSpPr>
+          <p:cxnSp>
+            <p:nvCxnSpPr>
+              <p:cNvPr id="2" name="直接连接符 1">
+                <a:extLst>
+                  <a:ext uri="{FF2B5EF4-FFF2-40B4-BE49-F238E27FC236}">
+                    <a16:creationId xmlns:a16="http://schemas.microsoft.com/office/drawing/2014/main" id="{06BB1D12-AF8A-4510-932A-7DFA29FA5C31}"/>
+                  </a:ext>
+                </a:extLst>
+              </p:cNvPr>
+              <p:cNvCxnSpPr>
+                <a:cxnSpLocks/>
+              </p:cNvCxnSpPr>
+              <p:nvPr/>
+            </p:nvCxnSpPr>
+            <p:spPr>
+              <a:xfrm>
+                <a:off x="4876692" y="1953477"/>
+                <a:ext cx="0" cy="1886673"/>
+              </a:xfrm>
+              <a:prstGeom prst="line">
+                <a:avLst/>
+              </a:prstGeom>
+            </p:spPr>
+            <p:style>
+              <a:lnRef idx="1">
+                <a:schemeClr val="accent1"/>
+              </a:lnRef>
+              <a:fillRef idx="0">
+                <a:schemeClr val="accent1"/>
+              </a:fillRef>
+              <a:effectRef idx="0">
+                <a:schemeClr val="accent1"/>
+              </a:effectRef>
+              <a:fontRef idx="minor">
+                <a:schemeClr val="tx1"/>
+              </a:fontRef>
+            </p:style>
+          </p:cxnSp>
+          <p:sp>
+            <p:nvSpPr>
+              <p:cNvPr id="3" name="矩形 2">
+                <a:extLst>
+                  <a:ext uri="{FF2B5EF4-FFF2-40B4-BE49-F238E27FC236}">
+                    <a16:creationId xmlns:a16="http://schemas.microsoft.com/office/drawing/2014/main" id="{1F1445D6-1FF4-4D65-BE91-45913AE23F7A}"/>
+                  </a:ext>
+                </a:extLst>
+              </p:cNvPr>
+              <p:cNvSpPr/>
+              <p:nvPr/>
+            </p:nvSpPr>
+            <p:spPr>
+              <a:xfrm>
+                <a:off x="4622049" y="2333994"/>
+                <a:ext cx="509286" cy="1125638"/>
+              </a:xfrm>
+              <a:prstGeom prst="rect">
+                <a:avLst/>
+              </a:prstGeom>
+              <a:solidFill>
+                <a:srgbClr val="FF0000"/>
+              </a:solidFill>
+            </p:spPr>
+            <p:style>
+              <a:lnRef idx="2">
+                <a:schemeClr val="accent1">
+                  <a:shade val="50000"/>
+                </a:schemeClr>
+              </a:lnRef>
+              <a:fillRef idx="1">
+                <a:schemeClr val="accent1"/>
+              </a:fillRef>
+              <a:effectRef idx="0">
+                <a:schemeClr val="accent1"/>
+              </a:effectRef>
+              <a:fontRef idx="minor">
+                <a:schemeClr val="lt1"/>
+              </a:fontRef>
+            </p:style>
+            <p:txBody>
+              <a:bodyPr rtlCol="0" anchor="ctr"/>
+              <a:lstStyle/>
+              <a:p>
+                <a:pPr algn="ctr"/>
+                <a:endParaRPr lang="zh-CN" altLang="en-US"/>
+              </a:p>
+            </p:txBody>
+          </p:sp>
+        </p:grpSp>
+        <p:grpSp>
+          <p:nvGrpSpPr>
+            <p:cNvPr id="11" name="组合 10">
+              <a:extLst>
+                <a:ext uri="{FF2B5EF4-FFF2-40B4-BE49-F238E27FC236}">
+                  <a16:creationId xmlns:a16="http://schemas.microsoft.com/office/drawing/2014/main" id="{50EB90CB-98F0-4975-8AF1-9009F04E0D78}"/>
+                </a:ext>
+              </a:extLst>
+            </p:cNvPr>
+            <p:cNvGrpSpPr/>
+            <p:nvPr/>
+          </p:nvGrpSpPr>
+          <p:grpSpPr>
+            <a:xfrm>
+              <a:off x="4039342" y="938423"/>
+              <a:ext cx="509286" cy="155272"/>
+              <a:chOff x="4622049" y="1953477"/>
+              <a:chExt cx="509286" cy="1886673"/>
+            </a:xfrm>
+          </p:grpSpPr>
+          <p:cxnSp>
+            <p:nvCxnSpPr>
+              <p:cNvPr id="12" name="直接连接符 11">
+                <a:extLst>
+                  <a:ext uri="{FF2B5EF4-FFF2-40B4-BE49-F238E27FC236}">
+                    <a16:creationId xmlns:a16="http://schemas.microsoft.com/office/drawing/2014/main" id="{DDB5C2ED-F2DB-40BA-9E27-1B5E6A8201B1}"/>
+                  </a:ext>
+                </a:extLst>
+              </p:cNvPr>
+              <p:cNvCxnSpPr>
+                <a:cxnSpLocks/>
+              </p:cNvCxnSpPr>
+              <p:nvPr/>
+            </p:nvCxnSpPr>
+            <p:spPr>
+              <a:xfrm>
+                <a:off x="4876692" y="1953477"/>
+                <a:ext cx="0" cy="1886673"/>
+              </a:xfrm>
+              <a:prstGeom prst="line">
+                <a:avLst/>
+              </a:prstGeom>
+            </p:spPr>
+            <p:style>
+              <a:lnRef idx="1">
+                <a:schemeClr val="accent1"/>
+              </a:lnRef>
+              <a:fillRef idx="0">
+                <a:schemeClr val="accent1"/>
+              </a:fillRef>
+              <a:effectRef idx="0">
+                <a:schemeClr val="accent1"/>
+              </a:effectRef>
+              <a:fontRef idx="minor">
+                <a:schemeClr val="tx1"/>
+              </a:fontRef>
+            </p:style>
+          </p:cxnSp>
+          <p:sp>
+            <p:nvSpPr>
+              <p:cNvPr id="13" name="矩形 12">
+                <a:extLst>
+                  <a:ext uri="{FF2B5EF4-FFF2-40B4-BE49-F238E27FC236}">
+                    <a16:creationId xmlns:a16="http://schemas.microsoft.com/office/drawing/2014/main" id="{632EDDEC-3160-4798-AD0B-8B330179DB11}"/>
+                  </a:ext>
+                </a:extLst>
+              </p:cNvPr>
+              <p:cNvSpPr/>
+              <p:nvPr/>
+            </p:nvSpPr>
+            <p:spPr>
+              <a:xfrm>
+                <a:off x="4622049" y="2333994"/>
+                <a:ext cx="509286" cy="1125638"/>
+              </a:xfrm>
+              <a:prstGeom prst="rect">
+                <a:avLst/>
+              </a:prstGeom>
+              <a:solidFill>
+                <a:srgbClr val="FF0000"/>
+              </a:solidFill>
+            </p:spPr>
+            <p:style>
+              <a:lnRef idx="2">
+                <a:schemeClr val="accent1">
+                  <a:shade val="50000"/>
+                </a:schemeClr>
+              </a:lnRef>
+              <a:fillRef idx="1">
+                <a:schemeClr val="accent1"/>
+              </a:fillRef>
+              <a:effectRef idx="0">
+                <a:schemeClr val="accent1"/>
+              </a:effectRef>
+              <a:fontRef idx="minor">
+                <a:schemeClr val="lt1"/>
+              </a:fontRef>
+            </p:style>
+            <p:txBody>
+              <a:bodyPr rtlCol="0" anchor="ctr"/>
+              <a:lstStyle/>
+              <a:p>
+                <a:pPr algn="ctr"/>
+                <a:endParaRPr lang="zh-CN" altLang="en-US"/>
+              </a:p>
+            </p:txBody>
+          </p:sp>
+        </p:grpSp>
+        <p:grpSp>
+          <p:nvGrpSpPr>
+            <p:cNvPr id="15" name="组合 14">
+              <a:extLst>
+                <a:ext uri="{FF2B5EF4-FFF2-40B4-BE49-F238E27FC236}">
+                  <a16:creationId xmlns:a16="http://schemas.microsoft.com/office/drawing/2014/main" id="{8742FA5A-C2E9-4B3E-8588-8B0F9CDEEE3F}"/>
+                </a:ext>
+              </a:extLst>
+            </p:cNvPr>
+            <p:cNvGrpSpPr/>
+            <p:nvPr/>
+          </p:nvGrpSpPr>
+          <p:grpSpPr>
+            <a:xfrm>
+              <a:off x="4039342" y="1684537"/>
+              <a:ext cx="509286" cy="592500"/>
+              <a:chOff x="4622049" y="1953477"/>
+              <a:chExt cx="509286" cy="1886673"/>
+            </a:xfrm>
+          </p:grpSpPr>
+          <p:cxnSp>
+            <p:nvCxnSpPr>
+              <p:cNvPr id="16" name="直接连接符 15">
+                <a:extLst>
+                  <a:ext uri="{FF2B5EF4-FFF2-40B4-BE49-F238E27FC236}">
+                    <a16:creationId xmlns:a16="http://schemas.microsoft.com/office/drawing/2014/main" id="{9B71A72A-009A-43C3-B189-239480B54BE9}"/>
+                  </a:ext>
+                </a:extLst>
+              </p:cNvPr>
+              <p:cNvCxnSpPr>
+                <a:cxnSpLocks/>
+              </p:cNvCxnSpPr>
+              <p:nvPr/>
+            </p:nvCxnSpPr>
+            <p:spPr>
+              <a:xfrm>
+                <a:off x="4876692" y="1953477"/>
+                <a:ext cx="0" cy="1886673"/>
+              </a:xfrm>
+              <a:prstGeom prst="line">
+                <a:avLst/>
+              </a:prstGeom>
+            </p:spPr>
+            <p:style>
+              <a:lnRef idx="1">
+                <a:schemeClr val="accent1"/>
+              </a:lnRef>
+              <a:fillRef idx="0">
+                <a:schemeClr val="accent1"/>
+              </a:fillRef>
+              <a:effectRef idx="0">
+                <a:schemeClr val="accent1"/>
+              </a:effectRef>
+              <a:fontRef idx="minor">
+                <a:schemeClr val="tx1"/>
+              </a:fontRef>
+            </p:style>
+          </p:cxnSp>
+          <p:sp>
+            <p:nvSpPr>
+              <p:cNvPr id="17" name="矩形 16">
+                <a:extLst>
+                  <a:ext uri="{FF2B5EF4-FFF2-40B4-BE49-F238E27FC236}">
+                    <a16:creationId xmlns:a16="http://schemas.microsoft.com/office/drawing/2014/main" id="{498F7B6A-1002-49CE-817F-849F74A21009}"/>
+                  </a:ext>
+                </a:extLst>
+              </p:cNvPr>
+              <p:cNvSpPr/>
+              <p:nvPr/>
+            </p:nvSpPr>
+            <p:spPr>
+              <a:xfrm>
+                <a:off x="4622049" y="2333994"/>
+                <a:ext cx="509286" cy="1125638"/>
+              </a:xfrm>
+              <a:prstGeom prst="rect">
+                <a:avLst/>
+              </a:prstGeom>
+              <a:solidFill>
+                <a:srgbClr val="FF0000"/>
+              </a:solidFill>
+            </p:spPr>
+            <p:style>
+              <a:lnRef idx="2">
+                <a:schemeClr val="accent1">
+                  <a:shade val="50000"/>
+                </a:schemeClr>
+              </a:lnRef>
+              <a:fillRef idx="1">
+                <a:schemeClr val="accent1"/>
+              </a:fillRef>
+              <a:effectRef idx="0">
+                <a:schemeClr val="accent1"/>
+              </a:effectRef>
+              <a:fontRef idx="minor">
+                <a:schemeClr val="lt1"/>
+              </a:fontRef>
+            </p:style>
+            <p:txBody>
+              <a:bodyPr rtlCol="0" anchor="ctr"/>
+              <a:lstStyle/>
+              <a:p>
+                <a:pPr algn="ctr"/>
+                <a:endParaRPr lang="zh-CN" altLang="en-US"/>
+              </a:p>
+            </p:txBody>
+          </p:sp>
+        </p:grpSp>
+        <p:grpSp>
+          <p:nvGrpSpPr>
+            <p:cNvPr id="18" name="组合 17">
+              <a:extLst>
+                <a:ext uri="{FF2B5EF4-FFF2-40B4-BE49-F238E27FC236}">
+                  <a16:creationId xmlns:a16="http://schemas.microsoft.com/office/drawing/2014/main" id="{B4F5EB79-480A-49E8-8EF3-ABF804CC0AE6}"/>
+                </a:ext>
+              </a:extLst>
+            </p:cNvPr>
+            <p:cNvGrpSpPr/>
+            <p:nvPr/>
+          </p:nvGrpSpPr>
+          <p:grpSpPr>
+            <a:xfrm>
+              <a:off x="4039342" y="2867879"/>
+              <a:ext cx="509286" cy="1125638"/>
+              <a:chOff x="4622049" y="1953477"/>
+              <a:chExt cx="509286" cy="1886673"/>
+            </a:xfrm>
+          </p:grpSpPr>
+          <p:cxnSp>
+            <p:nvCxnSpPr>
+              <p:cNvPr id="19" name="直接连接符 18">
+                <a:extLst>
+                  <a:ext uri="{FF2B5EF4-FFF2-40B4-BE49-F238E27FC236}">
+                    <a16:creationId xmlns:a16="http://schemas.microsoft.com/office/drawing/2014/main" id="{D49D5224-9548-4BF4-BF9B-F19DB16C2800}"/>
+                  </a:ext>
+                </a:extLst>
+              </p:cNvPr>
+              <p:cNvCxnSpPr>
+                <a:cxnSpLocks/>
+              </p:cNvCxnSpPr>
+              <p:nvPr/>
+            </p:nvCxnSpPr>
+            <p:spPr>
+              <a:xfrm>
+                <a:off x="4876692" y="1953477"/>
+                <a:ext cx="0" cy="1886673"/>
+              </a:xfrm>
+              <a:prstGeom prst="line">
+                <a:avLst/>
+              </a:prstGeom>
+            </p:spPr>
+            <p:style>
+              <a:lnRef idx="1">
+                <a:schemeClr val="accent1"/>
+              </a:lnRef>
+              <a:fillRef idx="0">
+                <a:schemeClr val="accent1"/>
+              </a:fillRef>
+              <a:effectRef idx="0">
+                <a:schemeClr val="accent1"/>
+              </a:effectRef>
+              <a:fontRef idx="minor">
+                <a:schemeClr val="tx1"/>
+              </a:fontRef>
+            </p:style>
+          </p:cxnSp>
+          <p:sp>
+            <p:nvSpPr>
+              <p:cNvPr id="20" name="矩形 19">
+                <a:extLst>
+                  <a:ext uri="{FF2B5EF4-FFF2-40B4-BE49-F238E27FC236}">
+                    <a16:creationId xmlns:a16="http://schemas.microsoft.com/office/drawing/2014/main" id="{145B3A05-A259-4B83-8500-C9B455988601}"/>
+                  </a:ext>
+                </a:extLst>
+              </p:cNvPr>
+              <p:cNvSpPr/>
+              <p:nvPr/>
+            </p:nvSpPr>
+            <p:spPr>
+              <a:xfrm>
+                <a:off x="4622049" y="2333994"/>
+                <a:ext cx="509286" cy="1125638"/>
+              </a:xfrm>
+              <a:prstGeom prst="rect">
+                <a:avLst/>
+              </a:prstGeom>
+              <a:solidFill>
+                <a:srgbClr val="FF0000"/>
+              </a:solidFill>
+            </p:spPr>
+            <p:style>
+              <a:lnRef idx="2">
+                <a:schemeClr val="accent1">
+                  <a:shade val="50000"/>
+                </a:schemeClr>
+              </a:lnRef>
+              <a:fillRef idx="1">
+                <a:schemeClr val="accent1"/>
+              </a:fillRef>
+              <a:effectRef idx="0">
+                <a:schemeClr val="accent1"/>
+              </a:effectRef>
+              <a:fontRef idx="minor">
+                <a:schemeClr val="lt1"/>
+              </a:fontRef>
+            </p:style>
+            <p:txBody>
+              <a:bodyPr rtlCol="0" anchor="ctr"/>
+              <a:lstStyle/>
+              <a:p>
+                <a:pPr algn="ctr"/>
+                <a:endParaRPr lang="zh-CN" altLang="en-US"/>
+              </a:p>
+            </p:txBody>
+          </p:sp>
+        </p:grpSp>
+      </p:grpSp>
+      <p:grpSp>
+        <p:nvGrpSpPr>
+          <p:cNvPr id="34" name="组合 33">
+            <a:extLst>
+              <a:ext uri="{FF2B5EF4-FFF2-40B4-BE49-F238E27FC236}">
+                <a16:creationId xmlns:a16="http://schemas.microsoft.com/office/drawing/2014/main" id="{A497D8CA-8FF1-4967-A249-795B5B14044D}"/>
+              </a:ext>
+            </a:extLst>
+          </p:cNvPr>
+          <p:cNvGrpSpPr/>
+          <p:nvPr/>
+        </p:nvGrpSpPr>
+        <p:grpSpPr>
+          <a:xfrm>
+            <a:off x="6835722" y="1492165"/>
+            <a:ext cx="487614" cy="3259657"/>
+            <a:chOff x="7134088" y="938423"/>
+            <a:chExt cx="509286" cy="5532608"/>
+          </a:xfrm>
+        </p:grpSpPr>
+        <p:grpSp>
+          <p:nvGrpSpPr>
+            <p:cNvPr id="21" name="组合 20">
+              <a:extLst>
+                <a:ext uri="{FF2B5EF4-FFF2-40B4-BE49-F238E27FC236}">
+                  <a16:creationId xmlns:a16="http://schemas.microsoft.com/office/drawing/2014/main" id="{12D74826-8024-4E68-9040-F03F5E07E30A}"/>
+                </a:ext>
+              </a:extLst>
+            </p:cNvPr>
+            <p:cNvGrpSpPr/>
+            <p:nvPr/>
+          </p:nvGrpSpPr>
+          <p:grpSpPr>
+            <a:xfrm>
+              <a:off x="7134088" y="4584358"/>
+              <a:ext cx="509286" cy="1886673"/>
+              <a:chOff x="4622049" y="1953477"/>
+              <a:chExt cx="509286" cy="1886673"/>
+            </a:xfrm>
+          </p:grpSpPr>
+          <p:cxnSp>
+            <p:nvCxnSpPr>
+              <p:cNvPr id="22" name="直接连接符 21">
+                <a:extLst>
+                  <a:ext uri="{FF2B5EF4-FFF2-40B4-BE49-F238E27FC236}">
+                    <a16:creationId xmlns:a16="http://schemas.microsoft.com/office/drawing/2014/main" id="{C10F203F-03C9-435A-BF06-CC69882640E7}"/>
+                  </a:ext>
+                </a:extLst>
+              </p:cNvPr>
+              <p:cNvCxnSpPr>
+                <a:cxnSpLocks/>
+              </p:cNvCxnSpPr>
+              <p:nvPr/>
+            </p:nvCxnSpPr>
+            <p:spPr>
+              <a:xfrm>
+                <a:off x="4876692" y="1953477"/>
+                <a:ext cx="0" cy="1886673"/>
+              </a:xfrm>
+              <a:prstGeom prst="line">
+                <a:avLst/>
+              </a:prstGeom>
+            </p:spPr>
+            <p:style>
+              <a:lnRef idx="1">
+                <a:schemeClr val="accent1"/>
+              </a:lnRef>
+              <a:fillRef idx="0">
+                <a:schemeClr val="accent1"/>
+              </a:fillRef>
+              <a:effectRef idx="0">
+                <a:schemeClr val="accent1"/>
+              </a:effectRef>
+              <a:fontRef idx="minor">
+                <a:schemeClr val="tx1"/>
+              </a:fontRef>
+            </p:style>
+          </p:cxnSp>
+          <p:sp>
+            <p:nvSpPr>
+              <p:cNvPr id="23" name="矩形 22">
+                <a:extLst>
+                  <a:ext uri="{FF2B5EF4-FFF2-40B4-BE49-F238E27FC236}">
+                    <a16:creationId xmlns:a16="http://schemas.microsoft.com/office/drawing/2014/main" id="{57D54968-2972-4256-8D37-D345F7FFB85C}"/>
+                  </a:ext>
+                </a:extLst>
+              </p:cNvPr>
+              <p:cNvSpPr/>
+              <p:nvPr/>
+            </p:nvSpPr>
+            <p:spPr>
+              <a:xfrm>
+                <a:off x="4622049" y="2333994"/>
+                <a:ext cx="509286" cy="1125638"/>
+              </a:xfrm>
+              <a:prstGeom prst="rect">
+                <a:avLst/>
+              </a:prstGeom>
+              <a:solidFill>
+                <a:srgbClr val="00B050"/>
+              </a:solidFill>
+            </p:spPr>
+            <p:style>
+              <a:lnRef idx="2">
+                <a:schemeClr val="accent1">
+                  <a:shade val="50000"/>
+                </a:schemeClr>
+              </a:lnRef>
+              <a:fillRef idx="1">
+                <a:schemeClr val="accent1"/>
+              </a:fillRef>
+              <a:effectRef idx="0">
+                <a:schemeClr val="accent1"/>
+              </a:effectRef>
+              <a:fontRef idx="minor">
+                <a:schemeClr val="lt1"/>
+              </a:fontRef>
+            </p:style>
+            <p:txBody>
+              <a:bodyPr rtlCol="0" anchor="ctr"/>
+              <a:lstStyle/>
+              <a:p>
+                <a:pPr algn="ctr"/>
+                <a:endParaRPr lang="zh-CN" altLang="en-US"/>
+              </a:p>
+            </p:txBody>
+          </p:sp>
+        </p:grpSp>
+        <p:grpSp>
+          <p:nvGrpSpPr>
+            <p:cNvPr id="24" name="组合 23">
+              <a:extLst>
+                <a:ext uri="{FF2B5EF4-FFF2-40B4-BE49-F238E27FC236}">
+                  <a16:creationId xmlns:a16="http://schemas.microsoft.com/office/drawing/2014/main" id="{0081BE41-6E8F-4B19-BD28-8E14D11ACAFB}"/>
+                </a:ext>
+              </a:extLst>
+            </p:cNvPr>
+            <p:cNvGrpSpPr/>
+            <p:nvPr/>
+          </p:nvGrpSpPr>
+          <p:grpSpPr>
+            <a:xfrm>
+              <a:off x="7134088" y="938423"/>
+              <a:ext cx="509286" cy="155272"/>
+              <a:chOff x="4622049" y="1953477"/>
+              <a:chExt cx="509286" cy="1886673"/>
+            </a:xfrm>
+          </p:grpSpPr>
+          <p:cxnSp>
+            <p:nvCxnSpPr>
+              <p:cNvPr id="25" name="直接连接符 24">
+                <a:extLst>
+                  <a:ext uri="{FF2B5EF4-FFF2-40B4-BE49-F238E27FC236}">
+                    <a16:creationId xmlns:a16="http://schemas.microsoft.com/office/drawing/2014/main" id="{0AA46BEE-6734-4EDD-8772-ECE310CA5FE8}"/>
+                  </a:ext>
+                </a:extLst>
+              </p:cNvPr>
+              <p:cNvCxnSpPr>
+                <a:cxnSpLocks/>
+              </p:cNvCxnSpPr>
+              <p:nvPr/>
+            </p:nvCxnSpPr>
+            <p:spPr>
+              <a:xfrm>
+                <a:off x="4876692" y="1953477"/>
+                <a:ext cx="0" cy="1886673"/>
+              </a:xfrm>
+              <a:prstGeom prst="line">
+                <a:avLst/>
+              </a:prstGeom>
+            </p:spPr>
+            <p:style>
+              <a:lnRef idx="1">
+                <a:schemeClr val="accent1"/>
+              </a:lnRef>
+              <a:fillRef idx="0">
+                <a:schemeClr val="accent1"/>
+              </a:fillRef>
+              <a:effectRef idx="0">
+                <a:schemeClr val="accent1"/>
+              </a:effectRef>
+              <a:fontRef idx="minor">
+                <a:schemeClr val="tx1"/>
+              </a:fontRef>
+            </p:style>
+          </p:cxnSp>
+          <p:sp>
+            <p:nvSpPr>
+              <p:cNvPr id="26" name="矩形 25">
+                <a:extLst>
+                  <a:ext uri="{FF2B5EF4-FFF2-40B4-BE49-F238E27FC236}">
+                    <a16:creationId xmlns:a16="http://schemas.microsoft.com/office/drawing/2014/main" id="{3B4ECB7E-790E-450A-8475-6EEB527DB940}"/>
+                  </a:ext>
+                </a:extLst>
+              </p:cNvPr>
+              <p:cNvSpPr/>
+              <p:nvPr/>
+            </p:nvSpPr>
+            <p:spPr>
+              <a:xfrm>
+                <a:off x="4622049" y="2333994"/>
+                <a:ext cx="509286" cy="1125638"/>
+              </a:xfrm>
+              <a:prstGeom prst="rect">
+                <a:avLst/>
+              </a:prstGeom>
+              <a:solidFill>
+                <a:srgbClr val="00B050"/>
+              </a:solidFill>
+            </p:spPr>
+            <p:style>
+              <a:lnRef idx="2">
+                <a:schemeClr val="accent1">
+                  <a:shade val="50000"/>
+                </a:schemeClr>
+              </a:lnRef>
+              <a:fillRef idx="1">
+                <a:schemeClr val="accent1"/>
+              </a:fillRef>
+              <a:effectRef idx="0">
+                <a:schemeClr val="accent1"/>
+              </a:effectRef>
+              <a:fontRef idx="minor">
+                <a:schemeClr val="lt1"/>
+              </a:fontRef>
+            </p:style>
+            <p:txBody>
+              <a:bodyPr rtlCol="0" anchor="ctr"/>
+              <a:lstStyle/>
+              <a:p>
+                <a:pPr algn="ctr"/>
+                <a:endParaRPr lang="zh-CN" altLang="en-US"/>
+              </a:p>
+            </p:txBody>
+          </p:sp>
+        </p:grpSp>
+        <p:grpSp>
+          <p:nvGrpSpPr>
+            <p:cNvPr id="27" name="组合 26">
+              <a:extLst>
+                <a:ext uri="{FF2B5EF4-FFF2-40B4-BE49-F238E27FC236}">
+                  <a16:creationId xmlns:a16="http://schemas.microsoft.com/office/drawing/2014/main" id="{B5535469-2748-4365-AF67-61B5C3270FB9}"/>
+                </a:ext>
+              </a:extLst>
+            </p:cNvPr>
+            <p:cNvGrpSpPr/>
+            <p:nvPr/>
+          </p:nvGrpSpPr>
+          <p:grpSpPr>
+            <a:xfrm>
+              <a:off x="7134088" y="1684537"/>
+              <a:ext cx="509286" cy="592500"/>
+              <a:chOff x="4622049" y="1953477"/>
+              <a:chExt cx="509286" cy="1886673"/>
+            </a:xfrm>
+          </p:grpSpPr>
+          <p:cxnSp>
+            <p:nvCxnSpPr>
+              <p:cNvPr id="28" name="直接连接符 27">
+                <a:extLst>
+                  <a:ext uri="{FF2B5EF4-FFF2-40B4-BE49-F238E27FC236}">
+                    <a16:creationId xmlns:a16="http://schemas.microsoft.com/office/drawing/2014/main" id="{CC4AD273-1735-4C48-B53F-DA79D2F82AD9}"/>
+                  </a:ext>
+                </a:extLst>
+              </p:cNvPr>
+              <p:cNvCxnSpPr>
+                <a:cxnSpLocks/>
+              </p:cNvCxnSpPr>
+              <p:nvPr/>
+            </p:nvCxnSpPr>
+            <p:spPr>
+              <a:xfrm>
+                <a:off x="4876692" y="1953477"/>
+                <a:ext cx="0" cy="1886673"/>
+              </a:xfrm>
+              <a:prstGeom prst="line">
+                <a:avLst/>
+              </a:prstGeom>
+            </p:spPr>
+            <p:style>
+              <a:lnRef idx="1">
+                <a:schemeClr val="accent1"/>
+              </a:lnRef>
+              <a:fillRef idx="0">
+                <a:schemeClr val="accent1"/>
+              </a:fillRef>
+              <a:effectRef idx="0">
+                <a:schemeClr val="accent1"/>
+              </a:effectRef>
+              <a:fontRef idx="minor">
+                <a:schemeClr val="tx1"/>
+              </a:fontRef>
+            </p:style>
+          </p:cxnSp>
+          <p:sp>
+            <p:nvSpPr>
+              <p:cNvPr id="29" name="矩形 28">
+                <a:extLst>
+                  <a:ext uri="{FF2B5EF4-FFF2-40B4-BE49-F238E27FC236}">
+                    <a16:creationId xmlns:a16="http://schemas.microsoft.com/office/drawing/2014/main" id="{6C45E5FA-7BD7-4EC7-A7BA-F89EF6FC4F04}"/>
+                  </a:ext>
+                </a:extLst>
+              </p:cNvPr>
+              <p:cNvSpPr/>
+              <p:nvPr/>
+            </p:nvSpPr>
+            <p:spPr>
+              <a:xfrm>
+                <a:off x="4622049" y="2333994"/>
+                <a:ext cx="509286" cy="1125638"/>
+              </a:xfrm>
+              <a:prstGeom prst="rect">
+                <a:avLst/>
+              </a:prstGeom>
+              <a:solidFill>
+                <a:srgbClr val="00B050"/>
+              </a:solidFill>
+            </p:spPr>
+            <p:style>
+              <a:lnRef idx="2">
+                <a:schemeClr val="accent1">
+                  <a:shade val="50000"/>
+                </a:schemeClr>
+              </a:lnRef>
+              <a:fillRef idx="1">
+                <a:schemeClr val="accent1"/>
+              </a:fillRef>
+              <a:effectRef idx="0">
+                <a:schemeClr val="accent1"/>
+              </a:effectRef>
+              <a:fontRef idx="minor">
+                <a:schemeClr val="lt1"/>
+              </a:fontRef>
+            </p:style>
+            <p:txBody>
+              <a:bodyPr rtlCol="0" anchor="ctr"/>
+              <a:lstStyle/>
+              <a:p>
+                <a:pPr algn="ctr"/>
+                <a:endParaRPr lang="zh-CN" altLang="en-US"/>
+              </a:p>
+            </p:txBody>
+          </p:sp>
+        </p:grpSp>
+        <p:grpSp>
+          <p:nvGrpSpPr>
+            <p:cNvPr id="30" name="组合 29">
+              <a:extLst>
+                <a:ext uri="{FF2B5EF4-FFF2-40B4-BE49-F238E27FC236}">
+                  <a16:creationId xmlns:a16="http://schemas.microsoft.com/office/drawing/2014/main" id="{6C17A922-428B-453C-9223-A25B45156FFD}"/>
+                </a:ext>
+              </a:extLst>
+            </p:cNvPr>
+            <p:cNvGrpSpPr/>
+            <p:nvPr/>
+          </p:nvGrpSpPr>
+          <p:grpSpPr>
+            <a:xfrm>
+              <a:off x="7134088" y="2867879"/>
+              <a:ext cx="509286" cy="1125638"/>
+              <a:chOff x="4622049" y="1953477"/>
+              <a:chExt cx="509286" cy="1886673"/>
+            </a:xfrm>
+          </p:grpSpPr>
+          <p:cxnSp>
+            <p:nvCxnSpPr>
+              <p:cNvPr id="31" name="直接连接符 30">
+                <a:extLst>
+                  <a:ext uri="{FF2B5EF4-FFF2-40B4-BE49-F238E27FC236}">
+                    <a16:creationId xmlns:a16="http://schemas.microsoft.com/office/drawing/2014/main" id="{0FE4B685-B195-4AA7-89C3-C3D0D05B4385}"/>
+                  </a:ext>
+                </a:extLst>
+              </p:cNvPr>
+              <p:cNvCxnSpPr>
+                <a:cxnSpLocks/>
+              </p:cNvCxnSpPr>
+              <p:nvPr/>
+            </p:nvCxnSpPr>
+            <p:spPr>
+              <a:xfrm>
+                <a:off x="4876692" y="1953477"/>
+                <a:ext cx="0" cy="1886673"/>
+              </a:xfrm>
+              <a:prstGeom prst="line">
+                <a:avLst/>
+              </a:prstGeom>
+            </p:spPr>
+            <p:style>
+              <a:lnRef idx="1">
+                <a:schemeClr val="accent1"/>
+              </a:lnRef>
+              <a:fillRef idx="0">
+                <a:schemeClr val="accent1"/>
+              </a:fillRef>
+              <a:effectRef idx="0">
+                <a:schemeClr val="accent1"/>
+              </a:effectRef>
+              <a:fontRef idx="minor">
+                <a:schemeClr val="tx1"/>
+              </a:fontRef>
+            </p:style>
+          </p:cxnSp>
+          <p:sp>
+            <p:nvSpPr>
+              <p:cNvPr id="32" name="矩形 31">
+                <a:extLst>
+                  <a:ext uri="{FF2B5EF4-FFF2-40B4-BE49-F238E27FC236}">
+                    <a16:creationId xmlns:a16="http://schemas.microsoft.com/office/drawing/2014/main" id="{ACFAA437-D25D-4FF7-AF16-CB806EFC1652}"/>
+                  </a:ext>
+                </a:extLst>
+              </p:cNvPr>
+              <p:cNvSpPr/>
+              <p:nvPr/>
+            </p:nvSpPr>
+            <p:spPr>
+              <a:xfrm>
+                <a:off x="4622049" y="2333994"/>
+                <a:ext cx="509286" cy="1125638"/>
+              </a:xfrm>
+              <a:prstGeom prst="rect">
+                <a:avLst/>
+              </a:prstGeom>
+              <a:solidFill>
+                <a:srgbClr val="00B050"/>
+              </a:solidFill>
+            </p:spPr>
+            <p:style>
+              <a:lnRef idx="2">
+                <a:schemeClr val="accent1">
+                  <a:shade val="50000"/>
+                </a:schemeClr>
+              </a:lnRef>
+              <a:fillRef idx="1">
+                <a:schemeClr val="accent1"/>
+              </a:fillRef>
+              <a:effectRef idx="0">
+                <a:schemeClr val="accent1"/>
+              </a:effectRef>
+              <a:fontRef idx="minor">
+                <a:schemeClr val="lt1"/>
+              </a:fontRef>
+            </p:style>
+            <p:txBody>
+              <a:bodyPr rtlCol="0" anchor="ctr"/>
+              <a:lstStyle/>
+              <a:p>
+                <a:pPr algn="ctr"/>
+                <a:endParaRPr lang="zh-CN" altLang="en-US"/>
+              </a:p>
+            </p:txBody>
+          </p:sp>
+        </p:grpSp>
+      </p:grpSp>
+      <p:sp>
+        <p:nvSpPr>
+          <p:cNvPr id="38" name="文本框 37">
+            <a:extLst>
+              <a:ext uri="{FF2B5EF4-FFF2-40B4-BE49-F238E27FC236}">
+                <a16:creationId xmlns:a16="http://schemas.microsoft.com/office/drawing/2014/main" id="{D79FB5E1-DEF3-44E4-992E-77FFB21660C9}"/>
+              </a:ext>
+            </a:extLst>
+          </p:cNvPr>
+          <p:cNvSpPr txBox="1"/>
+          <p:nvPr/>
+        </p:nvSpPr>
+        <p:spPr>
+          <a:xfrm>
+            <a:off x="3599850" y="2824961"/>
+            <a:ext cx="815489" cy="338554"/>
+          </a:xfrm>
+          <a:prstGeom prst="rect">
+            <a:avLst/>
+          </a:prstGeom>
+          <a:noFill/>
+        </p:spPr>
+        <p:txBody>
+          <a:bodyPr wrap="square" rtlCol="0">
+            <a:spAutoFit/>
+          </a:bodyPr>
+          <a:lstStyle/>
+          <a:p>
+            <a:r>
+              <a:rPr lang="zh-CN" altLang="en-US" sz="1600" dirty="0"/>
+              <a:t>中阳线</a:t>
+            </a:r>
+          </a:p>
+        </p:txBody>
+      </p:sp>
+      <p:sp>
+        <p:nvSpPr>
+          <p:cNvPr id="39" name="文本框 38">
+            <a:extLst>
+              <a:ext uri="{FF2B5EF4-FFF2-40B4-BE49-F238E27FC236}">
+                <a16:creationId xmlns:a16="http://schemas.microsoft.com/office/drawing/2014/main" id="{EDD55733-BFAB-4F4D-8E57-E4376BDD146D}"/>
+              </a:ext>
+            </a:extLst>
+          </p:cNvPr>
+          <p:cNvSpPr txBox="1"/>
+          <p:nvPr/>
+        </p:nvSpPr>
+        <p:spPr>
+          <a:xfrm>
+            <a:off x="3599850" y="1408050"/>
+            <a:ext cx="815489" cy="338554"/>
+          </a:xfrm>
+          <a:prstGeom prst="rect">
+            <a:avLst/>
+          </a:prstGeom>
+          <a:noFill/>
+        </p:spPr>
+        <p:txBody>
+          <a:bodyPr wrap="square" rtlCol="0">
+            <a:spAutoFit/>
+          </a:bodyPr>
+          <a:lstStyle/>
+          <a:p>
+            <a:r>
+              <a:rPr lang="zh-CN" altLang="en-US" sz="1600" dirty="0"/>
+              <a:t>十字星</a:t>
+            </a:r>
+          </a:p>
+        </p:txBody>
+      </p:sp>
+      <p:sp>
+        <p:nvSpPr>
+          <p:cNvPr id="40" name="文本框 39">
+            <a:extLst>
+              <a:ext uri="{FF2B5EF4-FFF2-40B4-BE49-F238E27FC236}">
+                <a16:creationId xmlns:a16="http://schemas.microsoft.com/office/drawing/2014/main" id="{21CDD0D3-9B35-4422-8AF8-A3531609C587}"/>
+              </a:ext>
+            </a:extLst>
+          </p:cNvPr>
+          <p:cNvSpPr txBox="1"/>
+          <p:nvPr/>
+        </p:nvSpPr>
+        <p:spPr>
+          <a:xfrm>
+            <a:off x="3599850" y="1993205"/>
+            <a:ext cx="815489" cy="338554"/>
+          </a:xfrm>
+          <a:prstGeom prst="rect">
+            <a:avLst/>
+          </a:prstGeom>
+          <a:noFill/>
+        </p:spPr>
+        <p:txBody>
+          <a:bodyPr wrap="square" rtlCol="0">
+            <a:spAutoFit/>
+          </a:bodyPr>
+          <a:lstStyle/>
+          <a:p>
+            <a:r>
+              <a:rPr lang="zh-CN" altLang="en-US" sz="1600" dirty="0"/>
+              <a:t>小阳线</a:t>
+            </a:r>
+          </a:p>
+        </p:txBody>
+      </p:sp>
+      <p:sp>
+        <p:nvSpPr>
+          <p:cNvPr id="41" name="文本框 40">
+            <a:extLst>
+              <a:ext uri="{FF2B5EF4-FFF2-40B4-BE49-F238E27FC236}">
+                <a16:creationId xmlns:a16="http://schemas.microsoft.com/office/drawing/2014/main" id="{AB7C1B64-3AFA-412E-BFE6-90AF3C8BD1A5}"/>
+              </a:ext>
+            </a:extLst>
+          </p:cNvPr>
+          <p:cNvSpPr txBox="1"/>
+          <p:nvPr/>
+        </p:nvSpPr>
+        <p:spPr>
+          <a:xfrm>
+            <a:off x="3599850" y="3966340"/>
+            <a:ext cx="815489" cy="338554"/>
+          </a:xfrm>
+          <a:prstGeom prst="rect">
+            <a:avLst/>
+          </a:prstGeom>
+          <a:noFill/>
+        </p:spPr>
+        <p:txBody>
+          <a:bodyPr wrap="square" rtlCol="0">
+            <a:spAutoFit/>
+          </a:bodyPr>
+          <a:lstStyle/>
+          <a:p>
+            <a:r>
+              <a:rPr lang="zh-CN" altLang="en-US" sz="1600" dirty="0"/>
+              <a:t>大阳线</a:t>
+            </a:r>
+          </a:p>
+        </p:txBody>
+      </p:sp>
+      <p:sp>
+        <p:nvSpPr>
+          <p:cNvPr id="42" name="文本框 41">
+            <a:extLst>
+              <a:ext uri="{FF2B5EF4-FFF2-40B4-BE49-F238E27FC236}">
+                <a16:creationId xmlns:a16="http://schemas.microsoft.com/office/drawing/2014/main" id="{565F8AE6-658C-4E78-8470-E09043B50427}"/>
+              </a:ext>
+            </a:extLst>
+          </p:cNvPr>
+          <p:cNvSpPr txBox="1"/>
+          <p:nvPr/>
+        </p:nvSpPr>
+        <p:spPr>
+          <a:xfrm>
+            <a:off x="7525333" y="2789656"/>
+            <a:ext cx="815489" cy="338554"/>
+          </a:xfrm>
+          <a:prstGeom prst="rect">
+            <a:avLst/>
+          </a:prstGeom>
+          <a:noFill/>
+        </p:spPr>
+        <p:txBody>
+          <a:bodyPr wrap="square" rtlCol="0">
+            <a:spAutoFit/>
+          </a:bodyPr>
+          <a:lstStyle/>
+          <a:p>
+            <a:r>
+              <a:rPr lang="zh-CN" altLang="en-US" sz="1600" dirty="0"/>
+              <a:t>中阴线</a:t>
+            </a:r>
+          </a:p>
+        </p:txBody>
+      </p:sp>
+      <p:sp>
+        <p:nvSpPr>
+          <p:cNvPr id="43" name="文本框 42">
+            <a:extLst>
+              <a:ext uri="{FF2B5EF4-FFF2-40B4-BE49-F238E27FC236}">
+                <a16:creationId xmlns:a16="http://schemas.microsoft.com/office/drawing/2014/main" id="{0F5EDFDD-B881-4381-9A16-F55EAC8A3BA3}"/>
+              </a:ext>
+            </a:extLst>
+          </p:cNvPr>
+          <p:cNvSpPr txBox="1"/>
+          <p:nvPr/>
+        </p:nvSpPr>
+        <p:spPr>
+          <a:xfrm>
+            <a:off x="7525333" y="1366430"/>
+            <a:ext cx="815489" cy="338554"/>
+          </a:xfrm>
+          <a:prstGeom prst="rect">
+            <a:avLst/>
+          </a:prstGeom>
+          <a:noFill/>
+        </p:spPr>
+        <p:txBody>
+          <a:bodyPr wrap="square" rtlCol="0">
+            <a:spAutoFit/>
+          </a:bodyPr>
+          <a:lstStyle/>
+          <a:p>
+            <a:r>
+              <a:rPr lang="zh-CN" altLang="en-US" sz="1600" dirty="0"/>
+              <a:t>十字星</a:t>
+            </a:r>
+          </a:p>
+        </p:txBody>
+      </p:sp>
+      <p:sp>
+        <p:nvSpPr>
+          <p:cNvPr id="44" name="文本框 43">
+            <a:extLst>
+              <a:ext uri="{FF2B5EF4-FFF2-40B4-BE49-F238E27FC236}">
+                <a16:creationId xmlns:a16="http://schemas.microsoft.com/office/drawing/2014/main" id="{1BF8AB90-9727-4344-995D-0C72BF4A7773}"/>
+              </a:ext>
+            </a:extLst>
+          </p:cNvPr>
+          <p:cNvSpPr txBox="1"/>
+          <p:nvPr/>
+        </p:nvSpPr>
+        <p:spPr>
+          <a:xfrm>
+            <a:off x="7525333" y="1942284"/>
+            <a:ext cx="815489" cy="338554"/>
+          </a:xfrm>
+          <a:prstGeom prst="rect">
+            <a:avLst/>
+          </a:prstGeom>
+          <a:noFill/>
+        </p:spPr>
+        <p:txBody>
+          <a:bodyPr wrap="square" rtlCol="0">
+            <a:spAutoFit/>
+          </a:bodyPr>
+          <a:lstStyle/>
+          <a:p>
+            <a:r>
+              <a:rPr lang="zh-CN" altLang="en-US" sz="1600" dirty="0"/>
+              <a:t>小阴线</a:t>
+            </a:r>
+          </a:p>
+        </p:txBody>
+      </p:sp>
+      <p:sp>
+        <p:nvSpPr>
+          <p:cNvPr id="45" name="文本框 44">
+            <a:extLst>
+              <a:ext uri="{FF2B5EF4-FFF2-40B4-BE49-F238E27FC236}">
+                <a16:creationId xmlns:a16="http://schemas.microsoft.com/office/drawing/2014/main" id="{3BCC0F85-24EF-48DA-A2BC-9BBE9ED0E4F8}"/>
+              </a:ext>
+            </a:extLst>
+          </p:cNvPr>
+          <p:cNvSpPr txBox="1"/>
+          <p:nvPr/>
+        </p:nvSpPr>
+        <p:spPr>
+          <a:xfrm>
+            <a:off x="7525333" y="4032881"/>
+            <a:ext cx="815489" cy="338554"/>
+          </a:xfrm>
+          <a:prstGeom prst="rect">
+            <a:avLst/>
+          </a:prstGeom>
+          <a:noFill/>
+        </p:spPr>
+        <p:txBody>
+          <a:bodyPr wrap="square" rtlCol="0">
+            <a:spAutoFit/>
+          </a:bodyPr>
+          <a:lstStyle/>
+          <a:p>
+            <a:r>
+              <a:rPr lang="zh-CN" altLang="en-US" sz="1600" dirty="0"/>
+              <a:t>大阴线</a:t>
+            </a:r>
+          </a:p>
+        </p:txBody>
+      </p:sp>
     </p:spTree>
     <p:extLst>
       <p:ext uri="{BB962C8B-B14F-4D97-AF65-F5344CB8AC3E}">
